--- a/Third Segment_Project Presentation.pptx
+++ b/Third Segment_Project Presentation.pptx
@@ -3736,12 +3736,90 @@
           </a:p>
         </p:txBody>
       </p:sp>
+      <p:sp>
+        <p:nvSpPr>
+          <p:cNvPr id="11" name="TextBox 10">
+            <a:extLst>
+              <a:ext uri="{FF2B5EF4-FFF2-40B4-BE49-F238E27FC236}">
+                <a16:creationId xmlns:a16="http://schemas.microsoft.com/office/drawing/2014/main" id="{CEB6612E-FCC8-EBDF-E9A6-2B8B02F9763D}"/>
+              </a:ext>
+            </a:extLst>
+          </p:cNvPr>
+          <p:cNvSpPr txBox="1"/>
+          <p:nvPr/>
+        </p:nvSpPr>
+        <p:spPr>
+          <a:xfrm>
+            <a:off x="7674634" y="693292"/>
+            <a:ext cx="2562045" cy="369332"/>
+          </a:xfrm>
+          <a:prstGeom prst="rect">
+            <a:avLst/>
+          </a:prstGeom>
+          <a:noFill/>
+        </p:spPr>
+        <p:txBody>
+          <a:bodyPr wrap="square" rtlCol="0">
+            <a:spAutoFit/>
+          </a:bodyPr>
+          <a:lstStyle/>
+          <a:p>
+            <a:r>
+              <a:rPr lang="en-CA" dirty="0">
+                <a:latin typeface="Lato" panose="020F0502020204030203" pitchFamily="34" charset="0"/>
+                <a:ea typeface="Lato" panose="020F0502020204030203" pitchFamily="34" charset="0"/>
+                <a:cs typeface="Lato" panose="020F0502020204030203" pitchFamily="34" charset="0"/>
+              </a:rPr>
+              <a:t>Gradient Boost </a:t>
+            </a:r>
+          </a:p>
+        </p:txBody>
+      </p:sp>
+      <p:sp>
+        <p:nvSpPr>
+          <p:cNvPr id="12" name="TextBox 11">
+            <a:extLst>
+              <a:ext uri="{FF2B5EF4-FFF2-40B4-BE49-F238E27FC236}">
+                <a16:creationId xmlns:a16="http://schemas.microsoft.com/office/drawing/2014/main" id="{BFDD385A-8423-CD5A-2237-81305C03F843}"/>
+              </a:ext>
+            </a:extLst>
+          </p:cNvPr>
+          <p:cNvSpPr txBox="1"/>
+          <p:nvPr/>
+        </p:nvSpPr>
+        <p:spPr>
+          <a:xfrm>
+            <a:off x="434196" y="791360"/>
+            <a:ext cx="2562045" cy="369332"/>
+          </a:xfrm>
+          <a:prstGeom prst="rect">
+            <a:avLst/>
+          </a:prstGeom>
+          <a:noFill/>
+        </p:spPr>
+        <p:txBody>
+          <a:bodyPr wrap="square" rtlCol="0">
+            <a:spAutoFit/>
+          </a:bodyPr>
+          <a:lstStyle/>
+          <a:p>
+            <a:r>
+              <a:rPr lang="en-CA" dirty="0">
+                <a:latin typeface="Lato" panose="020F0502020204030203" pitchFamily="34" charset="0"/>
+                <a:ea typeface="Lato" panose="020F0502020204030203" pitchFamily="34" charset="0"/>
+                <a:cs typeface="Lato" panose="020F0502020204030203" pitchFamily="34" charset="0"/>
+              </a:rPr>
+              <a:t>Random Forest </a:t>
+            </a:r>
+          </a:p>
+        </p:txBody>
+      </p:sp>
       <p:pic>
         <p:nvPicPr>
-          <p:cNvPr id="7" name="Picture 6">
-            <a:extLst>
-              <a:ext uri="{FF2B5EF4-FFF2-40B4-BE49-F238E27FC236}">
-                <a16:creationId xmlns:a16="http://schemas.microsoft.com/office/drawing/2014/main" id="{F26938D1-51DD-5E98-4B49-C1F8B630F180}"/>
+          <p:cNvPr id="3" name="Picture 2">
+            <a:extLst>
+              <a:ext uri="{FF2B5EF4-FFF2-40B4-BE49-F238E27FC236}">
+                <a16:creationId xmlns:a16="http://schemas.microsoft.com/office/drawing/2014/main" id="{F3AC6EA7-FDF8-0F46-2AF3-3B4CFB4AD24E}"/>
               </a:ext>
             </a:extLst>
           </p:cNvPr>
@@ -3750,15 +3828,16 @@
           </p:cNvPicPr>
           <p:nvPr/>
         </p:nvPicPr>
-        <p:blipFill rotWithShape="1">
+        <p:blipFill>
           <a:blip r:embed="rId2"/>
-          <a:srcRect l="8200" t="29733" r="47647" b="31565"/>
-          <a:stretch/>
+          <a:stretch>
+            <a:fillRect/>
+          </a:stretch>
         </p:blipFill>
         <p:spPr>
           <a:xfrm>
-            <a:off x="242047" y="2116930"/>
-            <a:ext cx="4054514" cy="2782019"/>
+            <a:off x="332429" y="1743517"/>
+            <a:ext cx="5113463" cy="3871295"/>
           </a:xfrm>
           <a:prstGeom prst="rect">
             <a:avLst/>
@@ -3767,10 +3846,10 @@
       </p:pic>
       <p:pic>
         <p:nvPicPr>
-          <p:cNvPr id="10" name="Picture 9">
-            <a:extLst>
-              <a:ext uri="{FF2B5EF4-FFF2-40B4-BE49-F238E27FC236}">
-                <a16:creationId xmlns:a16="http://schemas.microsoft.com/office/drawing/2014/main" id="{DBF3DE3E-F1AB-018F-0525-AA3120F5C08C}"/>
+          <p:cNvPr id="9" name="Picture 8">
+            <a:extLst>
+              <a:ext uri="{FF2B5EF4-FFF2-40B4-BE49-F238E27FC236}">
+                <a16:creationId xmlns:a16="http://schemas.microsoft.com/office/drawing/2014/main" id="{290F1AE0-71F7-9236-5349-DA64A5291AC7}"/>
               </a:ext>
             </a:extLst>
           </p:cNvPr>
@@ -3787,92 +3866,14 @@
         </p:blipFill>
         <p:spPr>
           <a:xfrm>
-            <a:off x="7232052" y="2116930"/>
-            <a:ext cx="4404742" cy="3124471"/>
+            <a:off x="6746110" y="1743517"/>
+            <a:ext cx="5227773" cy="3947502"/>
           </a:xfrm>
           <a:prstGeom prst="rect">
             <a:avLst/>
           </a:prstGeom>
         </p:spPr>
       </p:pic>
-      <p:sp>
-        <p:nvSpPr>
-          <p:cNvPr id="11" name="TextBox 10">
-            <a:extLst>
-              <a:ext uri="{FF2B5EF4-FFF2-40B4-BE49-F238E27FC236}">
-                <a16:creationId xmlns:a16="http://schemas.microsoft.com/office/drawing/2014/main" id="{CEB6612E-FCC8-EBDF-E9A6-2B8B02F9763D}"/>
-              </a:ext>
-            </a:extLst>
-          </p:cNvPr>
-          <p:cNvSpPr txBox="1"/>
-          <p:nvPr/>
-        </p:nvSpPr>
-        <p:spPr>
-          <a:xfrm>
-            <a:off x="7674634" y="693292"/>
-            <a:ext cx="2562045" cy="369332"/>
-          </a:xfrm>
-          <a:prstGeom prst="rect">
-            <a:avLst/>
-          </a:prstGeom>
-          <a:noFill/>
-        </p:spPr>
-        <p:txBody>
-          <a:bodyPr wrap="square" rtlCol="0">
-            <a:spAutoFit/>
-          </a:bodyPr>
-          <a:lstStyle/>
-          <a:p>
-            <a:r>
-              <a:rPr lang="en-CA" dirty="0">
-                <a:latin typeface="Lato" panose="020F0502020204030203" pitchFamily="34" charset="0"/>
-                <a:ea typeface="Lato" panose="020F0502020204030203" pitchFamily="34" charset="0"/>
-                <a:cs typeface="Lato" panose="020F0502020204030203" pitchFamily="34" charset="0"/>
-              </a:rPr>
-              <a:t>Gradient Boost </a:t>
-            </a:r>
-          </a:p>
-        </p:txBody>
-      </p:sp>
-      <p:sp>
-        <p:nvSpPr>
-          <p:cNvPr id="12" name="TextBox 11">
-            <a:extLst>
-              <a:ext uri="{FF2B5EF4-FFF2-40B4-BE49-F238E27FC236}">
-                <a16:creationId xmlns:a16="http://schemas.microsoft.com/office/drawing/2014/main" id="{BFDD385A-8423-CD5A-2237-81305C03F843}"/>
-              </a:ext>
-            </a:extLst>
-          </p:cNvPr>
-          <p:cNvSpPr txBox="1"/>
-          <p:nvPr/>
-        </p:nvSpPr>
-        <p:spPr>
-          <a:xfrm>
-            <a:off x="434196" y="791360"/>
-            <a:ext cx="2562045" cy="369332"/>
-          </a:xfrm>
-          <a:prstGeom prst="rect">
-            <a:avLst/>
-          </a:prstGeom>
-          <a:noFill/>
-        </p:spPr>
-        <p:txBody>
-          <a:bodyPr wrap="square" rtlCol="0">
-            <a:spAutoFit/>
-          </a:bodyPr>
-          <a:lstStyle/>
-          <a:p>
-            <a:r>
-              <a:rPr lang="en-CA" dirty="0">
-                <a:latin typeface="Lato" panose="020F0502020204030203" pitchFamily="34" charset="0"/>
-                <a:ea typeface="Lato" panose="020F0502020204030203" pitchFamily="34" charset="0"/>
-                <a:cs typeface="Lato" panose="020F0502020204030203" pitchFamily="34" charset="0"/>
-              </a:rPr>
-              <a:t>Random Forest </a:t>
-            </a:r>
-          </a:p>
-        </p:txBody>
-      </p:sp>
     </p:spTree>
     <p:extLst>
       <p:ext uri="{BB962C8B-B14F-4D97-AF65-F5344CB8AC3E}">
@@ -8227,12 +8228,82 @@
           </a:p>
         </p:txBody>
       </p:sp>
+      <p:sp>
+        <p:nvSpPr>
+          <p:cNvPr id="9" name="TextBox 8">
+            <a:extLst>
+              <a:ext uri="{FF2B5EF4-FFF2-40B4-BE49-F238E27FC236}">
+                <a16:creationId xmlns:a16="http://schemas.microsoft.com/office/drawing/2014/main" id="{2AB1839C-4E8D-B99A-9DFA-472E09B28D7E}"/>
+              </a:ext>
+            </a:extLst>
+          </p:cNvPr>
+          <p:cNvSpPr txBox="1"/>
+          <p:nvPr/>
+        </p:nvSpPr>
+        <p:spPr>
+          <a:xfrm>
+            <a:off x="250166" y="1475116"/>
+            <a:ext cx="2562045" cy="369332"/>
+          </a:xfrm>
+          <a:prstGeom prst="rect">
+            <a:avLst/>
+          </a:prstGeom>
+          <a:noFill/>
+        </p:spPr>
+        <p:txBody>
+          <a:bodyPr wrap="square" rtlCol="0">
+            <a:spAutoFit/>
+          </a:bodyPr>
+          <a:lstStyle/>
+          <a:p>
+            <a:r>
+              <a:rPr lang="en-CA" dirty="0"/>
+              <a:t>Logistic Regression</a:t>
+            </a:r>
+          </a:p>
+        </p:txBody>
+      </p:sp>
+      <p:sp>
+        <p:nvSpPr>
+          <p:cNvPr id="10" name="TextBox 9">
+            <a:extLst>
+              <a:ext uri="{FF2B5EF4-FFF2-40B4-BE49-F238E27FC236}">
+                <a16:creationId xmlns:a16="http://schemas.microsoft.com/office/drawing/2014/main" id="{103CFAE8-E3D3-73A1-16AE-354E025F6369}"/>
+              </a:ext>
+            </a:extLst>
+          </p:cNvPr>
+          <p:cNvSpPr txBox="1"/>
+          <p:nvPr/>
+        </p:nvSpPr>
+        <p:spPr>
+          <a:xfrm>
+            <a:off x="6817744" y="1475116"/>
+            <a:ext cx="2562045" cy="369332"/>
+          </a:xfrm>
+          <a:prstGeom prst="rect">
+            <a:avLst/>
+          </a:prstGeom>
+          <a:noFill/>
+        </p:spPr>
+        <p:txBody>
+          <a:bodyPr wrap="square" rtlCol="0">
+            <a:spAutoFit/>
+          </a:bodyPr>
+          <a:lstStyle/>
+          <a:p>
+            <a:r>
+              <a:rPr lang="en-CA" dirty="0"/>
+              <a:t>Decision Trees</a:t>
+            </a:r>
+          </a:p>
+        </p:txBody>
+      </p:sp>
       <p:pic>
         <p:nvPicPr>
-          <p:cNvPr id="3" name="Picture 2">
-            <a:extLst>
-              <a:ext uri="{FF2B5EF4-FFF2-40B4-BE49-F238E27FC236}">
-                <a16:creationId xmlns:a16="http://schemas.microsoft.com/office/drawing/2014/main" id="{055CD3F3-614C-5C35-2B13-28ED6DE6E261}"/>
+          <p:cNvPr id="7" name="Picture 6">
+            <a:extLst>
+              <a:ext uri="{FF2B5EF4-FFF2-40B4-BE49-F238E27FC236}">
+                <a16:creationId xmlns:a16="http://schemas.microsoft.com/office/drawing/2014/main" id="{AD74D0D2-8D8A-39FB-C684-C70FBA772255}"/>
               </a:ext>
             </a:extLst>
           </p:cNvPr>
@@ -8249,8 +8320,8 @@
         </p:blipFill>
         <p:spPr>
           <a:xfrm>
-            <a:off x="152400" y="2242888"/>
-            <a:ext cx="4008592" cy="2899070"/>
+            <a:off x="152400" y="2066676"/>
+            <a:ext cx="5753599" cy="3977985"/>
           </a:xfrm>
           <a:prstGeom prst="rect">
             <a:avLst/>
@@ -8259,10 +8330,10 @@
       </p:pic>
       <p:pic>
         <p:nvPicPr>
-          <p:cNvPr id="8" name="Picture 7">
-            <a:extLst>
-              <a:ext uri="{FF2B5EF4-FFF2-40B4-BE49-F238E27FC236}">
-                <a16:creationId xmlns:a16="http://schemas.microsoft.com/office/drawing/2014/main" id="{D95862A4-B25C-00E8-0ED5-99FE96F58938}"/>
+          <p:cNvPr id="16" name="Picture 15">
+            <a:extLst>
+              <a:ext uri="{FF2B5EF4-FFF2-40B4-BE49-F238E27FC236}">
+                <a16:creationId xmlns:a16="http://schemas.microsoft.com/office/drawing/2014/main" id="{4B3A5AFD-471C-871D-5DA4-8C0924ADFDF6}"/>
               </a:ext>
             </a:extLst>
           </p:cNvPr>
@@ -8279,84 +8350,14 @@
         </p:blipFill>
         <p:spPr>
           <a:xfrm>
-            <a:off x="6888943" y="2040349"/>
-            <a:ext cx="4397121" cy="3101609"/>
+            <a:off x="6564737" y="2066676"/>
+            <a:ext cx="4961050" cy="3894157"/>
           </a:xfrm>
           <a:prstGeom prst="rect">
             <a:avLst/>
           </a:prstGeom>
         </p:spPr>
       </p:pic>
-      <p:sp>
-        <p:nvSpPr>
-          <p:cNvPr id="9" name="TextBox 8">
-            <a:extLst>
-              <a:ext uri="{FF2B5EF4-FFF2-40B4-BE49-F238E27FC236}">
-                <a16:creationId xmlns:a16="http://schemas.microsoft.com/office/drawing/2014/main" id="{2AB1839C-4E8D-B99A-9DFA-472E09B28D7E}"/>
-              </a:ext>
-            </a:extLst>
-          </p:cNvPr>
-          <p:cNvSpPr txBox="1"/>
-          <p:nvPr/>
-        </p:nvSpPr>
-        <p:spPr>
-          <a:xfrm>
-            <a:off x="250166" y="1475116"/>
-            <a:ext cx="2562045" cy="369332"/>
-          </a:xfrm>
-          <a:prstGeom prst="rect">
-            <a:avLst/>
-          </a:prstGeom>
-          <a:noFill/>
-        </p:spPr>
-        <p:txBody>
-          <a:bodyPr wrap="square" rtlCol="0">
-            <a:spAutoFit/>
-          </a:bodyPr>
-          <a:lstStyle/>
-          <a:p>
-            <a:r>
-              <a:rPr lang="en-CA" dirty="0"/>
-              <a:t>Logistic Regression</a:t>
-            </a:r>
-          </a:p>
-        </p:txBody>
-      </p:sp>
-      <p:sp>
-        <p:nvSpPr>
-          <p:cNvPr id="10" name="TextBox 9">
-            <a:extLst>
-              <a:ext uri="{FF2B5EF4-FFF2-40B4-BE49-F238E27FC236}">
-                <a16:creationId xmlns:a16="http://schemas.microsoft.com/office/drawing/2014/main" id="{103CFAE8-E3D3-73A1-16AE-354E025F6369}"/>
-              </a:ext>
-            </a:extLst>
-          </p:cNvPr>
-          <p:cNvSpPr txBox="1"/>
-          <p:nvPr/>
-        </p:nvSpPr>
-        <p:spPr>
-          <a:xfrm>
-            <a:off x="6817744" y="1475116"/>
-            <a:ext cx="2562045" cy="369332"/>
-          </a:xfrm>
-          <a:prstGeom prst="rect">
-            <a:avLst/>
-          </a:prstGeom>
-          <a:noFill/>
-        </p:spPr>
-        <p:txBody>
-          <a:bodyPr wrap="square" rtlCol="0">
-            <a:spAutoFit/>
-          </a:bodyPr>
-          <a:lstStyle/>
-          <a:p>
-            <a:r>
-              <a:rPr lang="en-CA" dirty="0"/>
-              <a:t>Decision Trees</a:t>
-            </a:r>
-          </a:p>
-        </p:txBody>
-      </p:sp>
     </p:spTree>
     <p:extLst>
       <p:ext uri="{BB962C8B-B14F-4D97-AF65-F5344CB8AC3E}">
